--- a/assets/files/Tema6/svm/6.7 SVM.pptx
+++ b/assets/files/Tema6/svm/6.7 SVM.pptx
@@ -13,21 +13,22 @@
     <p:sldId id="258" r:id="rId8"/>
     <p:sldId id="259" r:id="rId9"/>
     <p:sldId id="260" r:id="rId10"/>
+    <p:sldId id="261" r:id="rId11"/>
   </p:sldIdLst>
   <p:sldSz cy="5143500" cx="9144000"/>
   <p:notesSz cx="6858000" cy="9144000"/>
   <p:embeddedFontLst>
     <p:embeddedFont>
       <p:font typeface="Amatic SC"/>
-      <p:regular r:id="rId11"/>
-      <p:bold r:id="rId12"/>
+      <p:regular r:id="rId12"/>
+      <p:bold r:id="rId13"/>
     </p:embeddedFont>
     <p:embeddedFont>
       <p:font typeface="Source Code Pro"/>
-      <p:regular r:id="rId13"/>
-      <p:bold r:id="rId14"/>
-      <p:italic r:id="rId15"/>
-      <p:boldItalic r:id="rId16"/>
+      <p:regular r:id="rId14"/>
+      <p:bold r:id="rId15"/>
+      <p:italic r:id="rId16"/>
+      <p:boldItalic r:id="rId17"/>
     </p:embeddedFont>
   </p:embeddedFontLst>
   <p:defaultTextStyle>
@@ -1105,7 +1106,7 @@
   <p:cSld>
     <p:spTree>
       <p:nvGrpSpPr>
-        <p:cNvPr id="79" name="Shape 79"/>
+        <p:cNvPr id="78" name="Shape 78"/>
         <p:cNvGrpSpPr/>
         <p:nvPr/>
       </p:nvGrpSpPr>
@@ -1119,7 +1120,7 @@
       </p:grpSpPr>
       <p:sp>
         <p:nvSpPr>
-          <p:cNvPr id="80" name="Google Shape;80;gb19233ae55_0_20:notes"/>
+          <p:cNvPr id="79" name="Google Shape;79;gc133ed8b54_0_0:notes"/>
           <p:cNvSpPr/>
           <p:nvPr>
             <p:ph idx="2" type="sldImg"/>
@@ -1154,7 +1155,106 @@
       </p:sp>
       <p:sp>
         <p:nvSpPr>
-          <p:cNvPr id="81" name="Google Shape;81;gb19233ae55_0_20:notes"/>
+          <p:cNvPr id="80" name="Google Shape;80;gc133ed8b54_0_0:notes"/>
+          <p:cNvSpPr txBox="1"/>
+          <p:nvPr>
+            <p:ph idx="1" type="body"/>
+          </p:nvPr>
+        </p:nvSpPr>
+        <p:spPr>
+          <a:xfrm>
+            <a:off x="685800" y="4343400"/>
+            <a:ext cx="5486400" cy="4114800"/>
+          </a:xfrm>
+          <a:prstGeom prst="rect">
+            <a:avLst/>
+          </a:prstGeom>
+        </p:spPr>
+        <p:txBody>
+          <a:bodyPr anchorCtr="0" anchor="t" bIns="91425" lIns="91425" spcFirstLastPara="1" rIns="91425" wrap="square" tIns="91425">
+            <a:noAutofit/>
+          </a:bodyPr>
+          <a:lstStyle/>
+          <a:p>
+            <a:pPr indent="0" lvl="0" marL="0" rtl="0" algn="l">
+              <a:spcBef>
+                <a:spcPts val="0"/>
+              </a:spcBef>
+              <a:spcAft>
+                <a:spcPts val="0"/>
+              </a:spcAft>
+              <a:buNone/>
+            </a:pPr>
+            <a:r>
+              <a:t/>
+            </a:r>
+            <a:endParaRPr/>
+          </a:p>
+        </p:txBody>
+      </p:sp>
+    </p:spTree>
+  </p:cSld>
+  <p:clrMapOvr>
+    <a:masterClrMapping/>
+  </p:clrMapOvr>
+</p:notes>
+</file>
+
+<file path=ppt/notesSlides/notesSlide6.xml><?xml version="1.0" encoding="utf-8"?>
+<p:notes xmlns:a="http://schemas.openxmlformats.org/drawingml/2006/main" xmlns:r="http://schemas.openxmlformats.org/officeDocument/2006/relationships" xmlns:mc="http://schemas.openxmlformats.org/markup-compatibility/2006" xmlns:mv="urn:schemas-microsoft-com:mac:vml" xmlns:p="http://schemas.openxmlformats.org/presentationml/2006/main" xmlns:c="http://schemas.openxmlformats.org/drawingml/2006/chart" xmlns:dgm="http://schemas.openxmlformats.org/drawingml/2006/diagram" xmlns:o="urn:schemas-microsoft-com:office:office" xmlns:v="urn:schemas-microsoft-com:vml" xmlns:pvml="urn:schemas-microsoft-com:office:powerpoint" xmlns:com="http://schemas.openxmlformats.org/drawingml/2006/compatibility" xmlns:p14="http://schemas.microsoft.com/office/powerpoint/2010/main" xmlns:p15="http://schemas.microsoft.com/office/powerpoint/2012/main" xmlns:ahyp="http://schemas.microsoft.com/office/drawing/2018/hyperlinkcolor" showMasterPhAnim="0" showMasterSp="0">
+  <p:cSld>
+    <p:spTree>
+      <p:nvGrpSpPr>
+        <p:cNvPr id="85" name="Shape 85"/>
+        <p:cNvGrpSpPr/>
+        <p:nvPr/>
+      </p:nvGrpSpPr>
+      <p:grpSpPr>
+        <a:xfrm>
+          <a:off x="0" y="0"/>
+          <a:ext cx="0" cy="0"/>
+          <a:chOff x="0" y="0"/>
+          <a:chExt cx="0" cy="0"/>
+        </a:xfrm>
+      </p:grpSpPr>
+      <p:sp>
+        <p:nvSpPr>
+          <p:cNvPr id="86" name="Google Shape;86;gb19233ae55_0_20:notes"/>
+          <p:cNvSpPr/>
+          <p:nvPr>
+            <p:ph idx="2" type="sldImg"/>
+          </p:nvPr>
+        </p:nvSpPr>
+        <p:spPr>
+          <a:xfrm>
+            <a:off x="381188" y="685800"/>
+            <a:ext cx="6096300" cy="3429000"/>
+          </a:xfrm>
+          <a:custGeom>
+            <a:rect b="b" l="l" r="r" t="t"/>
+            <a:pathLst>
+              <a:path extrusionOk="0" h="120000" w="120000">
+                <a:moveTo>
+                  <a:pt x="0" y="0"/>
+                </a:moveTo>
+                <a:lnTo>
+                  <a:pt x="120000" y="0"/>
+                </a:lnTo>
+                <a:lnTo>
+                  <a:pt x="120000" y="120000"/>
+                </a:lnTo>
+                <a:lnTo>
+                  <a:pt x="0" y="120000"/>
+                </a:lnTo>
+                <a:close/>
+              </a:path>
+            </a:pathLst>
+          </a:custGeom>
+        </p:spPr>
+      </p:sp>
+      <p:sp>
+        <p:nvSpPr>
+          <p:cNvPr id="87" name="Google Shape;87;gb19233ae55_0_20:notes"/>
           <p:cNvSpPr txBox="1"/>
           <p:nvPr>
             <p:ph idx="1" type="body"/>
@@ -6638,7 +6738,7 @@
             </a:pPr>
             <a:r>
               <a:rPr lang="es"/>
-              <a:t>Fecha:</a:t>
+              <a:t>Fecha: 01-03-2021</a:t>
             </a:r>
             <a:endParaRPr/>
           </a:p>
@@ -6760,7 +6860,7 @@
             </a:pPr>
             <a:r>
               <a:rPr lang="es"/>
-              <a:t>Clasificación binaria y multicalse</a:t>
+              <a:t>Clasificación binaria y multiclase</a:t>
             </a:r>
             <a:endParaRPr/>
           </a:p>
@@ -7142,34 +7242,6 @@
           </a:ln>
         </p:spPr>
       </p:pic>
-      <p:pic>
-        <p:nvPicPr>
-          <p:cNvPr id="78" name="Google Shape;78;p16"/>
-          <p:cNvPicPr preferRelativeResize="0"/>
-          <p:nvPr/>
-        </p:nvPicPr>
-        <p:blipFill>
-          <a:blip r:embed="rId4">
-            <a:alphaModFix/>
-          </a:blip>
-          <a:stretch>
-            <a:fillRect/>
-          </a:stretch>
-        </p:blipFill>
-        <p:spPr>
-          <a:xfrm>
-            <a:off x="265175" y="2390800"/>
-            <a:ext cx="4349700" cy="2205025"/>
-          </a:xfrm>
-          <a:prstGeom prst="rect">
-            <a:avLst/>
-          </a:prstGeom>
-          <a:noFill/>
-          <a:ln>
-            <a:noFill/>
-          </a:ln>
-        </p:spPr>
-      </p:pic>
     </p:spTree>
   </p:cSld>
   <p:clrMapOvr>
@@ -7183,7 +7255,7 @@
   <p:cSld>
     <p:spTree>
       <p:nvGrpSpPr>
-        <p:cNvPr id="82" name="Shape 82"/>
+        <p:cNvPr id="81" name="Shape 81"/>
         <p:cNvGrpSpPr/>
         <p:nvPr/>
       </p:nvGrpSpPr>
@@ -7197,7 +7269,7 @@
       </p:grpSpPr>
       <p:sp>
         <p:nvSpPr>
-          <p:cNvPr id="83" name="Google Shape;83;p17"/>
+          <p:cNvPr id="82" name="Google Shape;82;p17"/>
           <p:cNvSpPr txBox="1"/>
           <p:nvPr>
             <p:ph type="title"/>
@@ -7229,7 +7301,7 @@
             </a:pPr>
             <a:r>
               <a:rPr lang="es"/>
-              <a:t>Bases</a:t>
+              <a:t>vectores de soporte y separadores lineales</a:t>
             </a:r>
             <a:endParaRPr/>
           </a:p>
@@ -7237,7 +7309,7 @@
       </p:sp>
       <p:sp>
         <p:nvSpPr>
-          <p:cNvPr id="84" name="Google Shape;84;p17"/>
+          <p:cNvPr id="83" name="Google Shape;83;p17"/>
           <p:cNvSpPr txBox="1"/>
           <p:nvPr>
             <p:ph idx="1" type="body"/>
@@ -7268,8 +7340,7 @@
               <a:buNone/>
             </a:pPr>
             <a:r>
-              <a:rPr lang="es"/>
-              <a:t>Las fronteras de decisión pueden tener bases distintas</a:t>
+              <a:t/>
             </a:r>
             <a:endParaRPr/>
           </a:p>
@@ -7307,7 +7378,170 @@
       </p:sp>
       <p:pic>
         <p:nvPicPr>
-          <p:cNvPr id="85" name="Google Shape;85;p17"/>
+          <p:cNvPr id="84" name="Google Shape;84;p17"/>
+          <p:cNvPicPr preferRelativeResize="0"/>
+          <p:nvPr/>
+        </p:nvPicPr>
+        <p:blipFill>
+          <a:blip r:embed="rId3">
+            <a:alphaModFix/>
+          </a:blip>
+          <a:stretch>
+            <a:fillRect/>
+          </a:stretch>
+        </p:blipFill>
+        <p:spPr>
+          <a:xfrm>
+            <a:off x="4861083" y="1181100"/>
+            <a:ext cx="3431716" cy="3340200"/>
+          </a:xfrm>
+          <a:prstGeom prst="rect">
+            <a:avLst/>
+          </a:prstGeom>
+          <a:noFill/>
+          <a:ln>
+            <a:noFill/>
+          </a:ln>
+        </p:spPr>
+      </p:pic>
+    </p:spTree>
+  </p:cSld>
+  <p:clrMapOvr>
+    <a:masterClrMapping/>
+  </p:clrMapOvr>
+</p:sld>
+</file>
+
+<file path=ppt/slides/slide6.xml><?xml version="1.0" encoding="utf-8"?>
+<p:sld xmlns:a="http://schemas.openxmlformats.org/drawingml/2006/main" xmlns:r="http://schemas.openxmlformats.org/officeDocument/2006/relationships" xmlns:mc="http://schemas.openxmlformats.org/markup-compatibility/2006" xmlns:mv="urn:schemas-microsoft-com:mac:vml" xmlns:p="http://schemas.openxmlformats.org/presentationml/2006/main" xmlns:c="http://schemas.openxmlformats.org/drawingml/2006/chart" xmlns:dgm="http://schemas.openxmlformats.org/drawingml/2006/diagram" xmlns:o="urn:schemas-microsoft-com:office:office" xmlns:v="urn:schemas-microsoft-com:vml" xmlns:pvml="urn:schemas-microsoft-com:office:powerpoint" xmlns:com="http://schemas.openxmlformats.org/drawingml/2006/compatibility" xmlns:p14="http://schemas.microsoft.com/office/powerpoint/2010/main" xmlns:p15="http://schemas.microsoft.com/office/powerpoint/2012/main" xmlns:ahyp="http://schemas.microsoft.com/office/drawing/2018/hyperlinkcolor">
+  <p:cSld>
+    <p:spTree>
+      <p:nvGrpSpPr>
+        <p:cNvPr id="88" name="Shape 88"/>
+        <p:cNvGrpSpPr/>
+        <p:nvPr/>
+      </p:nvGrpSpPr>
+      <p:grpSpPr>
+        <a:xfrm>
+          <a:off x="0" y="0"/>
+          <a:ext cx="0" cy="0"/>
+          <a:chOff x="0" y="0"/>
+          <a:chExt cx="0" cy="0"/>
+        </a:xfrm>
+      </p:grpSpPr>
+      <p:sp>
+        <p:nvSpPr>
+          <p:cNvPr id="89" name="Google Shape;89;p18"/>
+          <p:cNvSpPr txBox="1"/>
+          <p:nvPr>
+            <p:ph type="title"/>
+          </p:nvPr>
+        </p:nvSpPr>
+        <p:spPr>
+          <a:xfrm>
+            <a:off x="311700" y="292850"/>
+            <a:ext cx="8520600" cy="801000"/>
+          </a:xfrm>
+          <a:prstGeom prst="rect">
+            <a:avLst/>
+          </a:prstGeom>
+        </p:spPr>
+        <p:txBody>
+          <a:bodyPr anchorCtr="0" anchor="t" bIns="91425" lIns="91425" spcFirstLastPara="1" rIns="91425" wrap="square" tIns="91425">
+            <a:noAutofit/>
+          </a:bodyPr>
+          <a:lstStyle/>
+          <a:p>
+            <a:pPr indent="0" lvl="0" marL="0" rtl="0" algn="l">
+              <a:spcBef>
+                <a:spcPts val="0"/>
+              </a:spcBef>
+              <a:spcAft>
+                <a:spcPts val="0"/>
+              </a:spcAft>
+              <a:buNone/>
+            </a:pPr>
+            <a:r>
+              <a:rPr lang="es"/>
+              <a:t>Bases</a:t>
+            </a:r>
+            <a:endParaRPr/>
+          </a:p>
+        </p:txBody>
+      </p:sp>
+      <p:sp>
+        <p:nvSpPr>
+          <p:cNvPr id="90" name="Google Shape;90;p18"/>
+          <p:cNvSpPr txBox="1"/>
+          <p:nvPr>
+            <p:ph idx="1" type="body"/>
+          </p:nvPr>
+        </p:nvSpPr>
+        <p:spPr>
+          <a:xfrm>
+            <a:off x="311700" y="1228675"/>
+            <a:ext cx="4090800" cy="3340200"/>
+          </a:xfrm>
+          <a:prstGeom prst="rect">
+            <a:avLst/>
+          </a:prstGeom>
+        </p:spPr>
+        <p:txBody>
+          <a:bodyPr anchorCtr="0" anchor="t" bIns="91425" lIns="91425" spcFirstLastPara="1" rIns="91425" wrap="square" tIns="91425">
+            <a:noAutofit/>
+          </a:bodyPr>
+          <a:lstStyle/>
+          <a:p>
+            <a:pPr indent="0" lvl="0" marL="0" rtl="0" algn="l">
+              <a:spcBef>
+                <a:spcPts val="0"/>
+              </a:spcBef>
+              <a:spcAft>
+                <a:spcPts val="0"/>
+              </a:spcAft>
+              <a:buNone/>
+            </a:pPr>
+            <a:r>
+              <a:rPr lang="es"/>
+              <a:t>Las fronteras de decisión pueden tener bases distintas</a:t>
+            </a:r>
+            <a:endParaRPr/>
+          </a:p>
+          <a:p>
+            <a:pPr indent="0" lvl="0" marL="0" rtl="0" algn="l">
+              <a:spcBef>
+                <a:spcPts val="1600"/>
+              </a:spcBef>
+              <a:spcAft>
+                <a:spcPts val="0"/>
+              </a:spcAft>
+              <a:buNone/>
+            </a:pPr>
+            <a:r>
+              <a:t/>
+            </a:r>
+            <a:endParaRPr/>
+          </a:p>
+          <a:p>
+            <a:pPr indent="0" lvl="0" marL="0" rtl="0" algn="l">
+              <a:spcBef>
+                <a:spcPts val="1600"/>
+              </a:spcBef>
+              <a:spcAft>
+                <a:spcPts val="1600"/>
+              </a:spcAft>
+              <a:buNone/>
+            </a:pPr>
+            <a:r>
+              <a:t/>
+            </a:r>
+            <a:endParaRPr/>
+          </a:p>
+        </p:txBody>
+      </p:sp>
+      <p:pic>
+        <p:nvPicPr>
+          <p:cNvPr id="91" name="Google Shape;91;p18"/>
           <p:cNvPicPr preferRelativeResize="0"/>
           <p:nvPr/>
         </p:nvPicPr>
@@ -7335,7 +7569,7 @@
       </p:pic>
       <p:pic>
         <p:nvPicPr>
-          <p:cNvPr id="86" name="Google Shape;86;p17"/>
+          <p:cNvPr id="92" name="Google Shape;92;p18"/>
           <p:cNvPicPr preferRelativeResize="0"/>
           <p:nvPr/>
         </p:nvPicPr>
@@ -7362,7 +7596,7 @@
       </p:pic>
       <p:pic>
         <p:nvPicPr>
-          <p:cNvPr id="87" name="Google Shape;87;p17"/>
+          <p:cNvPr id="93" name="Google Shape;93;p18"/>
           <p:cNvPicPr preferRelativeResize="0"/>
           <p:nvPr/>
         </p:nvPicPr>
